--- a/ppt/算法讲解123【扩展】树上问题专题6-换根dp.pptx
+++ b/ppt/算法讲解123【扩展】树上问题专题6-换根dp.pptx
@@ -5069,7 +5069,7 @@
               </a:defRPr>
             </a:pPr>
             <a:r>
-              <a:t>每次都获得，当前被染色点的白色联通块大小，作为收益</a:t>
+              <a:t>每次都获得，当前被染色点的白色连通块大小，作为收益</a:t>
             </a:r>
           </a:p>
           <a:p>
